--- a/data/prezentacije/organizacija/001_Organizacija_2_ponavljanje.pptx
+++ b/data/prezentacije/organizacija/001_Organizacija_2_ponavljanje.pptx
@@ -223,7 +223,7 @@
             <a:fld id="{FCB922A3-0C2E-4D94-AFF5-90A2C0AB44AC}" type="datetimeFigureOut">
               <a:rPr lang="hr-HR" smtClean="0"/>
               <a:pPr/>
-              <a:t>11.9.2017.</a:t>
+              <a:t>12.9.2017.</a:t>
             </a:fld>
             <a:endParaRPr lang="hr-HR"/>
           </a:p>
@@ -390,7 +390,7 @@
             <a:fld id="{1542121D-D7BC-4175-A702-9B7BBD6019B1}" type="datetimeFigureOut">
               <a:rPr lang="sr-Latn-CS" smtClean="0"/>
               <a:pPr/>
-              <a:t>11.9.2017.</a:t>
+              <a:t>12.9.2017.</a:t>
             </a:fld>
             <a:endParaRPr lang="hr-HR"/>
           </a:p>
@@ -1610,7 +1610,7 @@
             <a:fld id="{FDC1A071-2A74-455A-A49A-8BB21E4AC2F6}" type="datetimeFigureOut">
               <a:rPr lang="sr-Latn-CS" smtClean="0"/>
               <a:pPr/>
-              <a:t>11.9.2017.</a:t>
+              <a:t>12.9.2017.</a:t>
             </a:fld>
             <a:endParaRPr lang="hr-HR"/>
           </a:p>
@@ -1888,7 +1888,7 @@
             <a:fld id="{FDC1A071-2A74-455A-A49A-8BB21E4AC2F6}" type="datetimeFigureOut">
               <a:rPr lang="sr-Latn-CS" smtClean="0"/>
               <a:pPr/>
-              <a:t>11.9.2017.</a:t>
+              <a:t>12.9.2017.</a:t>
             </a:fld>
             <a:endParaRPr lang="hr-HR"/>
           </a:p>
@@ -2079,7 +2079,7 @@
             <a:fld id="{FDC1A071-2A74-455A-A49A-8BB21E4AC2F6}" type="datetimeFigureOut">
               <a:rPr lang="sr-Latn-CS" smtClean="0"/>
               <a:pPr/>
-              <a:t>11.9.2017.</a:t>
+              <a:t>12.9.2017.</a:t>
             </a:fld>
             <a:endParaRPr lang="hr-HR"/>
           </a:p>
@@ -2280,7 +2280,7 @@
             <a:fld id="{FDC1A071-2A74-455A-A49A-8BB21E4AC2F6}" type="datetimeFigureOut">
               <a:rPr lang="sr-Latn-CS" smtClean="0"/>
               <a:pPr/>
-              <a:t>11.9.2017.</a:t>
+              <a:t>12.9.2017.</a:t>
             </a:fld>
             <a:endParaRPr lang="hr-HR"/>
           </a:p>
@@ -2910,7 +2910,7 @@
             <a:fld id="{FDC1A071-2A74-455A-A49A-8BB21E4AC2F6}" type="datetimeFigureOut">
               <a:rPr lang="sr-Latn-CS" smtClean="0"/>
               <a:pPr/>
-              <a:t>11.9.2017.</a:t>
+              <a:t>12.9.2017.</a:t>
             </a:fld>
             <a:endParaRPr lang="hr-HR"/>
           </a:p>
@@ -3219,7 +3219,7 @@
             <a:fld id="{FDC1A071-2A74-455A-A49A-8BB21E4AC2F6}" type="datetimeFigureOut">
               <a:rPr lang="sr-Latn-CS" smtClean="0"/>
               <a:pPr/>
-              <a:t>11.9.2017.</a:t>
+              <a:t>12.9.2017.</a:t>
             </a:fld>
             <a:endParaRPr lang="hr-HR"/>
           </a:p>
@@ -3662,7 +3662,7 @@
             <a:fld id="{FDC1A071-2A74-455A-A49A-8BB21E4AC2F6}" type="datetimeFigureOut">
               <a:rPr lang="sr-Latn-CS" smtClean="0"/>
               <a:pPr/>
-              <a:t>11.9.2017.</a:t>
+              <a:t>12.9.2017.</a:t>
             </a:fld>
             <a:endParaRPr lang="hr-HR"/>
           </a:p>
@@ -3801,7 +3801,7 @@
             <a:fld id="{FDC1A071-2A74-455A-A49A-8BB21E4AC2F6}" type="datetimeFigureOut">
               <a:rPr lang="sr-Latn-CS" smtClean="0"/>
               <a:pPr/>
-              <a:t>11.9.2017.</a:t>
+              <a:t>12.9.2017.</a:t>
             </a:fld>
             <a:endParaRPr lang="hr-HR"/>
           </a:p>
@@ -3917,7 +3917,7 @@
             <a:fld id="{FDC1A071-2A74-455A-A49A-8BB21E4AC2F6}" type="datetimeFigureOut">
               <a:rPr lang="sr-Latn-CS" smtClean="0"/>
               <a:pPr/>
-              <a:t>11.9.2017.</a:t>
+              <a:t>12.9.2017.</a:t>
             </a:fld>
             <a:endParaRPr lang="hr-HR"/>
           </a:p>
@@ -4215,7 +4215,7 @@
             <a:fld id="{FDC1A071-2A74-455A-A49A-8BB21E4AC2F6}" type="datetimeFigureOut">
               <a:rPr lang="sr-Latn-CS" smtClean="0"/>
               <a:pPr/>
-              <a:t>11.9.2017.</a:t>
+              <a:t>12.9.2017.</a:t>
             </a:fld>
             <a:endParaRPr lang="hr-HR"/>
           </a:p>
@@ -12237,11 +12237,7 @@
           <a:p>
             <a:r>
               <a:rPr lang="hr-HR" sz="3200" dirty="0" smtClean="0"/>
-              <a:t>Podjela </a:t>
-            </a:r>
-            <a:r>
-              <a:rPr lang="hr-HR" sz="3200" dirty="0" smtClean="0"/>
-              <a:t>ugostiteljstva</a:t>
+              <a:t>Podjela ugostiteljstva</a:t>
             </a:r>
             <a:endParaRPr lang="hr-HR" sz="3200" dirty="0"/>
           </a:p>
@@ -21064,11 +21060,7 @@
           <a:p>
             <a:r>
               <a:rPr lang="hr-HR" sz="3200" dirty="0" smtClean="0"/>
-              <a:t>Standardi i standardizacija u </a:t>
-            </a:r>
-            <a:r>
-              <a:rPr lang="hr-HR" sz="3200" dirty="0" smtClean="0"/>
-              <a:t>ugostiteljstvu</a:t>
+              <a:t>Standardi i standardizacija u ugostiteljstvu</a:t>
             </a:r>
           </a:p>
           <a:p>
@@ -25563,18 +25555,6 @@
               </a:rPr>
               <a:t>RESTAURATERSTVO</a:t>
             </a:r>
-            <a:endParaRPr lang="hr-HR" sz="4000" b="1" dirty="0" smtClean="0">
-              <a:solidFill>
-                <a:schemeClr val="bg1"/>
-              </a:solidFill>
-              <a:effectLst>
-                <a:outerShdw blurRad="38100" dist="38100" dir="2700000" algn="tl">
-                  <a:srgbClr val="000000">
-                    <a:alpha val="43137"/>
-                  </a:srgbClr>
-                </a:outerShdw>
-              </a:effectLst>
-            </a:endParaRPr>
           </a:p>
         </p:txBody>
       </p:sp>
@@ -29604,18 +29584,6 @@
               </a:rPr>
               <a:t>RESTAURATERSTVO</a:t>
             </a:r>
-            <a:endParaRPr lang="hr-HR" sz="4000" b="1" dirty="0" smtClean="0">
-              <a:solidFill>
-                <a:schemeClr val="bg1"/>
-              </a:solidFill>
-              <a:effectLst>
-                <a:outerShdw blurRad="38100" dist="38100" dir="2700000" algn="tl">
-                  <a:srgbClr val="000000">
-                    <a:alpha val="43137"/>
-                  </a:srgbClr>
-                </a:outerShdw>
-              </a:effectLst>
-            </a:endParaRPr>
           </a:p>
         </p:txBody>
       </p:sp>
@@ -30217,11 +30185,7 @@
           <a:p>
             <a:r>
               <a:rPr lang="hr-HR" sz="3200" dirty="0" smtClean="0"/>
-              <a:t>Restauraterstvo – poslužni </a:t>
-            </a:r>
-            <a:r>
-              <a:rPr lang="hr-HR" sz="3200" dirty="0" smtClean="0"/>
-              <a:t>odjel</a:t>
+              <a:t>Restauraterstvo – poslužni odjel</a:t>
             </a:r>
             <a:endParaRPr lang="hr-HR" sz="3200" dirty="0"/>
           </a:p>
@@ -31226,11 +31190,7 @@
           <a:p>
             <a:r>
               <a:rPr lang="hr-HR" sz="3200" dirty="0" smtClean="0"/>
-              <a:t>Restauraterstvo – poslužni </a:t>
-            </a:r>
-            <a:r>
-              <a:rPr lang="hr-HR" sz="3200" dirty="0" smtClean="0"/>
-              <a:t>odjel</a:t>
+              <a:t>Restauraterstvo – poslužni odjel</a:t>
             </a:r>
             <a:endParaRPr lang="hr-HR" sz="3200" dirty="0"/>
           </a:p>
@@ -39017,12 +38977,12 @@
               <a:t>(u </a:t>
             </a:r>
             <a:r>
-              <a:rPr lang="hr-HR" sz="2000" i="1" dirty="0" err="1" smtClean="0"/>
-              <a:t>ug</a:t>
-            </a:r>
-            <a:r>
               <a:rPr lang="hr-HR" sz="2000" i="1" dirty="0" smtClean="0"/>
-              <a:t>. objektu)</a:t>
+              <a:t>ugostiteljskom </a:t>
+            </a:r>
+            <a:r>
+              <a:rPr lang="hr-HR" sz="2000" i="1" dirty="0" smtClean="0"/>
+              <a:t>objektu)</a:t>
             </a:r>
             <a:endParaRPr lang="hr-HR" sz="2800" i="1" dirty="0" smtClean="0"/>
           </a:p>
